--- a/Mariners Projects Slides.pptx
+++ b/Mariners Projects Slides.pptx
@@ -3521,12 +3521,66 @@
           </a:extLst>
         </p:spPr>
       </p:pic>
+      <p:sp>
+        <p:nvSpPr>
+          <p:cNvPr id="24" name="Title 1">
+            <a:extLst>
+              <a:ext uri="{FF2B5EF4-FFF2-40B4-BE49-F238E27FC236}">
+                <a16:creationId xmlns:a16="http://schemas.microsoft.com/office/drawing/2014/main" id="{4EB98064-32D0-C6A4-A772-F1CEFC1EEB67}"/>
+              </a:ext>
+            </a:extLst>
+          </p:cNvPr>
+          <p:cNvSpPr txBox="1">
+            <a:spLocks/>
+          </p:cNvSpPr>
+          <p:nvPr/>
+        </p:nvSpPr>
+        <p:spPr>
+          <a:xfrm>
+            <a:off x="838200" y="905192"/>
+            <a:ext cx="10515600" cy="1325563"/>
+          </a:xfrm>
+          <a:prstGeom prst="rect">
+            <a:avLst/>
+          </a:prstGeom>
+        </p:spPr>
+        <p:txBody>
+          <a:bodyPr vert="horz" lIns="91440" tIns="45720" rIns="91440" bIns="45720" rtlCol="0" anchor="ctr">
+            <a:normAutofit/>
+          </a:bodyPr>
+          <a:lstStyle>
+            <a:lvl1pPr algn="l" defTabSz="914400" rtl="0" eaLnBrk="1" latinLnBrk="0" hangingPunct="1">
+              <a:lnSpc>
+                <a:spcPct val="90000"/>
+              </a:lnSpc>
+              <a:spcBef>
+                <a:spcPct val="0"/>
+              </a:spcBef>
+              <a:buNone/>
+              <a:defRPr sz="4400" kern="1200">
+                <a:solidFill>
+                  <a:schemeClr val="tx1"/>
+                </a:solidFill>
+                <a:latin typeface="+mj-lt"/>
+                <a:ea typeface="+mj-ea"/>
+                <a:cs typeface="+mj-cs"/>
+              </a:defRPr>
+            </a:lvl1pPr>
+          </a:lstStyle>
+          <a:p>
+            <a:r>
+              <a:rPr lang="en-US" b="1" dirty="0"/>
+              <a:t>Arm Slots</a:t>
+            </a:r>
+          </a:p>
+        </p:txBody>
+      </p:sp>
       <p:grpSp>
         <p:nvGrpSpPr>
-          <p:cNvPr id="23" name="Group 22">
-            <a:extLst>
-              <a:ext uri="{FF2B5EF4-FFF2-40B4-BE49-F238E27FC236}">
-                <a16:creationId xmlns:a16="http://schemas.microsoft.com/office/drawing/2014/main" id="{60ADAE81-2221-41EF-85AE-7145FF7D1793}"/>
+          <p:cNvPr id="26" name="Group 25">
+            <a:extLst>
+              <a:ext uri="{FF2B5EF4-FFF2-40B4-BE49-F238E27FC236}">
+                <a16:creationId xmlns:a16="http://schemas.microsoft.com/office/drawing/2014/main" id="{4BCEC465-9869-75C6-A241-578AF6172BA6}"/>
               </a:ext>
             </a:extLst>
           </p:cNvPr>
@@ -3535,54 +3589,315 @@
         </p:nvGrpSpPr>
         <p:grpSpPr>
           <a:xfrm>
-            <a:off x="2665961" y="2804158"/>
-            <a:ext cx="6362894" cy="4635099"/>
-            <a:chOff x="2002173" y="1027906"/>
-            <a:chExt cx="8665827" cy="5889806"/>
+            <a:off x="1408853" y="1801708"/>
+            <a:ext cx="7620002" cy="5637550"/>
+            <a:chOff x="2665961" y="2804158"/>
+            <a:chExt cx="6362894" cy="4635099"/>
           </a:xfrm>
         </p:grpSpPr>
-        <p:pic>
-          <p:nvPicPr>
-            <p:cNvPr id="11" name="Picture 10">
+        <p:grpSp>
+          <p:nvGrpSpPr>
+            <p:cNvPr id="23" name="Group 22">
               <a:extLst>
                 <a:ext uri="{FF2B5EF4-FFF2-40B4-BE49-F238E27FC236}">
-                  <a16:creationId xmlns:a16="http://schemas.microsoft.com/office/drawing/2014/main" id="{B4FC3D76-3DD1-3EAC-DC15-495D3BF59DC4}"/>
+                  <a16:creationId xmlns:a16="http://schemas.microsoft.com/office/drawing/2014/main" id="{60ADAE81-2221-41EF-85AE-7145FF7D1793}"/>
                 </a:ext>
               </a:extLst>
             </p:cNvPr>
-            <p:cNvPicPr>
-              <a:picLocks noChangeAspect="1"/>
-            </p:cNvPicPr>
+            <p:cNvGrpSpPr/>
             <p:nvPr/>
-          </p:nvPicPr>
-          <p:blipFill>
-            <a:blip r:embed="rId3">
+          </p:nvGrpSpPr>
+          <p:grpSpPr>
+            <a:xfrm>
+              <a:off x="2665961" y="2804158"/>
+              <a:ext cx="6362894" cy="4635099"/>
+              <a:chOff x="2002173" y="1027906"/>
+              <a:chExt cx="8665827" cy="5889806"/>
+            </a:xfrm>
+          </p:grpSpPr>
+          <p:pic>
+            <p:nvPicPr>
+              <p:cNvPr id="11" name="Picture 10">
+                <a:extLst>
+                  <a:ext uri="{FF2B5EF4-FFF2-40B4-BE49-F238E27FC236}">
+                    <a16:creationId xmlns:a16="http://schemas.microsoft.com/office/drawing/2014/main" id="{B4FC3D76-3DD1-3EAC-DC15-495D3BF59DC4}"/>
+                  </a:ext>
+                </a:extLst>
+              </p:cNvPr>
+              <p:cNvPicPr>
+                <a:picLocks noChangeAspect="1"/>
+              </p:cNvPicPr>
+              <p:nvPr/>
+            </p:nvPicPr>
+            <p:blipFill>
+              <a:blip r:embed="rId3">
+                <a:extLst>
+                  <a:ext uri="{28A0092B-C50C-407E-A947-70E740481C1C}">
+                    <a14:useLocalDpi xmlns:a14="http://schemas.microsoft.com/office/drawing/2010/main" val="0"/>
+                  </a:ext>
+                </a:extLst>
+              </a:blip>
+              <a:stretch>
+                <a:fillRect/>
+              </a:stretch>
+            </p:blipFill>
+            <p:spPr>
+              <a:xfrm>
+                <a:off x="2002173" y="1027906"/>
+                <a:ext cx="8665827" cy="5889806"/>
+              </a:xfrm>
+              <a:prstGeom prst="rect">
+                <a:avLst/>
+              </a:prstGeom>
+            </p:spPr>
+          </p:pic>
+          <p:cxnSp>
+            <p:nvCxnSpPr>
+              <p:cNvPr id="14" name="Straight Connector 13">
+                <a:extLst>
+                  <a:ext uri="{FF2B5EF4-FFF2-40B4-BE49-F238E27FC236}">
+                    <a16:creationId xmlns:a16="http://schemas.microsoft.com/office/drawing/2014/main" id="{8898E372-2C2F-6C31-16BB-F589CF7B6226}"/>
+                  </a:ext>
+                </a:extLst>
+              </p:cNvPr>
+              <p:cNvCxnSpPr/>
+              <p:nvPr/>
+            </p:nvCxnSpPr>
+            <p:spPr>
+              <a:xfrm>
+                <a:off x="5913120" y="3429000"/>
+                <a:ext cx="0" cy="1427480"/>
+              </a:xfrm>
+              <a:prstGeom prst="line">
+                <a:avLst/>
+              </a:prstGeom>
+            </p:spPr>
+            <p:style>
+              <a:lnRef idx="1">
+                <a:schemeClr val="accent1"/>
+              </a:lnRef>
+              <a:fillRef idx="0">
+                <a:schemeClr val="accent1"/>
+              </a:fillRef>
+              <a:effectRef idx="0">
+                <a:schemeClr val="accent1"/>
+              </a:effectRef>
+              <a:fontRef idx="minor">
+                <a:schemeClr val="tx1"/>
+              </a:fontRef>
+            </p:style>
+          </p:cxnSp>
+          <p:cxnSp>
+            <p:nvCxnSpPr>
+              <p:cNvPr id="16" name="Straight Connector 15">
+                <a:extLst>
+                  <a:ext uri="{FF2B5EF4-FFF2-40B4-BE49-F238E27FC236}">
+                    <a16:creationId xmlns:a16="http://schemas.microsoft.com/office/drawing/2014/main" id="{5B885CCF-3DAC-9021-A37F-5B0A35927877}"/>
+                  </a:ext>
+                </a:extLst>
+              </p:cNvPr>
+              <p:cNvCxnSpPr/>
+              <p:nvPr/>
+            </p:nvCxnSpPr>
+            <p:spPr>
+              <a:xfrm flipH="1">
+                <a:off x="5405120" y="4856480"/>
+                <a:ext cx="508000" cy="562187"/>
+              </a:xfrm>
+              <a:prstGeom prst="line">
+                <a:avLst/>
+              </a:prstGeom>
+            </p:spPr>
+            <p:style>
+              <a:lnRef idx="1">
+                <a:schemeClr val="accent1"/>
+              </a:lnRef>
+              <a:fillRef idx="0">
+                <a:schemeClr val="accent1"/>
+              </a:fillRef>
+              <a:effectRef idx="0">
+                <a:schemeClr val="accent1"/>
+              </a:effectRef>
+              <a:fontRef idx="minor">
+                <a:schemeClr val="tx1"/>
+              </a:fontRef>
+            </p:style>
+          </p:cxnSp>
+          <p:cxnSp>
+            <p:nvCxnSpPr>
+              <p:cNvPr id="17" name="Straight Connector 16">
+                <a:extLst>
+                  <a:ext uri="{FF2B5EF4-FFF2-40B4-BE49-F238E27FC236}">
+                    <a16:creationId xmlns:a16="http://schemas.microsoft.com/office/drawing/2014/main" id="{BA3EE7B4-F9DB-A731-EA57-7C0B32FF07A3}"/>
+                  </a:ext>
+                </a:extLst>
+              </p:cNvPr>
+              <p:cNvCxnSpPr>
+                <a:cxnSpLocks/>
+              </p:cNvCxnSpPr>
+              <p:nvPr/>
+            </p:nvCxnSpPr>
+            <p:spPr>
+              <a:xfrm rot="5400000" flipH="1">
+                <a:off x="5933439" y="4856479"/>
+                <a:ext cx="508000" cy="562187"/>
+              </a:xfrm>
+              <a:prstGeom prst="line">
+                <a:avLst/>
+              </a:prstGeom>
+            </p:spPr>
+            <p:style>
+              <a:lnRef idx="1">
+                <a:schemeClr val="accent1"/>
+              </a:lnRef>
+              <a:fillRef idx="0">
+                <a:schemeClr val="accent1"/>
+              </a:fillRef>
+              <a:effectRef idx="0">
+                <a:schemeClr val="accent1"/>
+              </a:effectRef>
+              <a:fontRef idx="minor">
+                <a:schemeClr val="tx1"/>
+              </a:fontRef>
+            </p:style>
+          </p:cxnSp>
+          <p:cxnSp>
+            <p:nvCxnSpPr>
+              <p:cNvPr id="19" name="Straight Connector 18">
+                <a:extLst>
+                  <a:ext uri="{FF2B5EF4-FFF2-40B4-BE49-F238E27FC236}">
+                    <a16:creationId xmlns:a16="http://schemas.microsoft.com/office/drawing/2014/main" id="{552A9A85-015F-2173-87A8-D26D47113CC2}"/>
+                  </a:ext>
+                </a:extLst>
+              </p:cNvPr>
+              <p:cNvCxnSpPr>
+                <a:cxnSpLocks/>
+              </p:cNvCxnSpPr>
+              <p:nvPr/>
+            </p:nvCxnSpPr>
+            <p:spPr>
+              <a:xfrm flipH="1" flipV="1">
+                <a:off x="3860800" y="2744046"/>
+                <a:ext cx="2045545" cy="1116754"/>
+              </a:xfrm>
+              <a:prstGeom prst="line">
+                <a:avLst/>
+              </a:prstGeom>
+            </p:spPr>
+            <p:style>
+              <a:lnRef idx="1">
+                <a:schemeClr val="accent1"/>
+              </a:lnRef>
+              <a:fillRef idx="0">
+                <a:schemeClr val="accent1"/>
+              </a:fillRef>
+              <a:effectRef idx="0">
+                <a:schemeClr val="accent1"/>
+              </a:effectRef>
+              <a:fontRef idx="minor">
+                <a:schemeClr val="tx1"/>
+              </a:fontRef>
+            </p:style>
+          </p:cxnSp>
+          <p:cxnSp>
+            <p:nvCxnSpPr>
+              <p:cNvPr id="22" name="Straight Connector 21">
+                <a:extLst>
+                  <a:ext uri="{FF2B5EF4-FFF2-40B4-BE49-F238E27FC236}">
+                    <a16:creationId xmlns:a16="http://schemas.microsoft.com/office/drawing/2014/main" id="{281E3432-4202-7877-EDD8-B6862D055DB6}"/>
+                  </a:ext>
+                </a:extLst>
+              </p:cNvPr>
+              <p:cNvCxnSpPr/>
+              <p:nvPr/>
+            </p:nvCxnSpPr>
+            <p:spPr>
+              <a:xfrm flipV="1">
+                <a:off x="5913120" y="3597909"/>
+                <a:ext cx="677333" cy="296758"/>
+              </a:xfrm>
+              <a:prstGeom prst="line">
+                <a:avLst/>
+              </a:prstGeom>
+            </p:spPr>
+            <p:style>
+              <a:lnRef idx="1">
+                <a:schemeClr val="accent1"/>
+              </a:lnRef>
+              <a:fillRef idx="0">
+                <a:schemeClr val="accent1"/>
+              </a:fillRef>
+              <a:effectRef idx="0">
+                <a:schemeClr val="accent1"/>
+              </a:effectRef>
+              <a:fontRef idx="minor">
+                <a:schemeClr val="tx1"/>
+              </a:fontRef>
+            </p:style>
+          </p:cxnSp>
+          <p:pic>
+            <p:nvPicPr>
+              <p:cNvPr id="1028" name="Picture 4" descr="Baseball Glove Clipart Images – Browse 1,837 Stock Photos, Vectors, and  Video | Adobe Stock">
+                <a:extLst>
+                  <a:ext uri="{FF2B5EF4-FFF2-40B4-BE49-F238E27FC236}">
+                    <a16:creationId xmlns:a16="http://schemas.microsoft.com/office/drawing/2014/main" id="{C1E730D5-73EE-45CB-B4C7-CBBA1D53CCB2}"/>
+                  </a:ext>
+                </a:extLst>
+              </p:cNvPr>
+              <p:cNvPicPr>
+                <a:picLocks noChangeAspect="1" noChangeArrowheads="1"/>
+              </p:cNvPicPr>
+              <p:nvPr/>
+            </p:nvPicPr>
+            <p:blipFill>
+              <a:blip r:embed="rId4">
+                <a:extLst>
+                  <a:ext uri="{BEBA8EAE-BF5A-486C-A8C5-ECC9F3942E4B}">
+                    <a14:imgProps xmlns:a14="http://schemas.microsoft.com/office/drawing/2010/main">
+                      <a14:imgLayer r:embed="rId5">
+                        <a14:imgEffect>
+                          <a14:backgroundRemoval t="10000" b="90000" l="10000" r="90000"/>
+                        </a14:imgEffect>
+                      </a14:imgLayer>
+                    </a14:imgProps>
+                  </a:ext>
+                  <a:ext uri="{28A0092B-C50C-407E-A947-70E740481C1C}">
+                    <a14:useLocalDpi xmlns:a14="http://schemas.microsoft.com/office/drawing/2010/main" val="0"/>
+                  </a:ext>
+                </a:extLst>
+              </a:blip>
+              <a:srcRect/>
+              <a:stretch>
+                <a:fillRect/>
+              </a:stretch>
+            </p:blipFill>
+            <p:spPr bwMode="auto">
+              <a:xfrm>
+                <a:off x="6285657" y="2910841"/>
+                <a:ext cx="1231899" cy="1231899"/>
+              </a:xfrm>
+              <a:prstGeom prst="rect">
+                <a:avLst/>
+              </a:prstGeom>
+              <a:noFill/>
               <a:extLst>
-                <a:ext uri="{28A0092B-C50C-407E-A947-70E740481C1C}">
-                  <a14:useLocalDpi xmlns:a14="http://schemas.microsoft.com/office/drawing/2010/main" val="0"/>
+                <a:ext uri="{909E8E84-426E-40DD-AFC4-6F175D3DCCD1}">
+                  <a14:hiddenFill xmlns:a14="http://schemas.microsoft.com/office/drawing/2010/main">
+                    <a:solidFill>
+                      <a:srgbClr val="FFFFFF"/>
+                    </a:solidFill>
+                  </a14:hiddenFill>
                 </a:ext>
               </a:extLst>
-            </a:blip>
-            <a:stretch>
-              <a:fillRect/>
-            </a:stretch>
-          </p:blipFill>
-          <p:spPr>
-            <a:xfrm>
-              <a:off x="2002173" y="1027906"/>
-              <a:ext cx="8665827" cy="5889806"/>
-            </a:xfrm>
-            <a:prstGeom prst="rect">
-              <a:avLst/>
-            </a:prstGeom>
-          </p:spPr>
-        </p:pic>
+            </p:spPr>
+          </p:pic>
+        </p:grpSp>
         <p:sp>
           <p:nvSpPr>
-            <p:cNvPr id="12" name="Oval 11">
+            <p:cNvPr id="25" name="Smiley Face 24">
               <a:extLst>
                 <a:ext uri="{FF2B5EF4-FFF2-40B4-BE49-F238E27FC236}">
-                  <a16:creationId xmlns:a16="http://schemas.microsoft.com/office/drawing/2014/main" id="{B9E87E1C-36D5-72BD-70D1-A6383B0E7250}"/>
+                  <a16:creationId xmlns:a16="http://schemas.microsoft.com/office/drawing/2014/main" id="{09DB1956-1125-3B40-10C7-501F358A8517}"/>
                 </a:ext>
               </a:extLst>
             </p:cNvPr>
@@ -3591,12 +3906,15 @@
           </p:nvSpPr>
           <p:spPr>
             <a:xfrm>
-              <a:off x="5472853" y="2567093"/>
-              <a:ext cx="866987" cy="861907"/>
+              <a:off x="5229012" y="4292760"/>
+              <a:ext cx="497331" cy="442424"/>
             </a:xfrm>
-            <a:prstGeom prst="ellipse">
+            <a:prstGeom prst="smileyFace">
               <a:avLst/>
             </a:prstGeom>
+            <a:solidFill>
+              <a:schemeClr val="bg2"/>
+            </a:solidFill>
           </p:spPr>
           <p:style>
             <a:lnRef idx="2">
@@ -3623,196 +3941,12 @@
             </a:p>
           </p:txBody>
         </p:sp>
-        <p:cxnSp>
-          <p:nvCxnSpPr>
-            <p:cNvPr id="14" name="Straight Connector 13">
+        <p:pic>
+          <p:nvPicPr>
+            <p:cNvPr id="1034" name="Picture 10" descr="New Era 5950 1977-1980 Seattle Mariners Retro Fitted Hat - Athlete's Choice">
               <a:extLst>
                 <a:ext uri="{FF2B5EF4-FFF2-40B4-BE49-F238E27FC236}">
-                  <a16:creationId xmlns:a16="http://schemas.microsoft.com/office/drawing/2014/main" id="{8898E372-2C2F-6C31-16BB-F589CF7B6226}"/>
-                </a:ext>
-              </a:extLst>
-            </p:cNvPr>
-            <p:cNvCxnSpPr/>
-            <p:nvPr/>
-          </p:nvCxnSpPr>
-          <p:spPr>
-            <a:xfrm>
-              <a:off x="5913120" y="3429000"/>
-              <a:ext cx="0" cy="1427480"/>
-            </a:xfrm>
-            <a:prstGeom prst="line">
-              <a:avLst/>
-            </a:prstGeom>
-          </p:spPr>
-          <p:style>
-            <a:lnRef idx="1">
-              <a:schemeClr val="accent1"/>
-            </a:lnRef>
-            <a:fillRef idx="0">
-              <a:schemeClr val="accent1"/>
-            </a:fillRef>
-            <a:effectRef idx="0">
-              <a:schemeClr val="accent1"/>
-            </a:effectRef>
-            <a:fontRef idx="minor">
-              <a:schemeClr val="tx1"/>
-            </a:fontRef>
-          </p:style>
-        </p:cxnSp>
-        <p:cxnSp>
-          <p:nvCxnSpPr>
-            <p:cNvPr id="16" name="Straight Connector 15">
-              <a:extLst>
-                <a:ext uri="{FF2B5EF4-FFF2-40B4-BE49-F238E27FC236}">
-                  <a16:creationId xmlns:a16="http://schemas.microsoft.com/office/drawing/2014/main" id="{5B885CCF-3DAC-9021-A37F-5B0A35927877}"/>
-                </a:ext>
-              </a:extLst>
-            </p:cNvPr>
-            <p:cNvCxnSpPr/>
-            <p:nvPr/>
-          </p:nvCxnSpPr>
-          <p:spPr>
-            <a:xfrm flipH="1">
-              <a:off x="5405120" y="4856480"/>
-              <a:ext cx="508000" cy="562187"/>
-            </a:xfrm>
-            <a:prstGeom prst="line">
-              <a:avLst/>
-            </a:prstGeom>
-          </p:spPr>
-          <p:style>
-            <a:lnRef idx="1">
-              <a:schemeClr val="accent1"/>
-            </a:lnRef>
-            <a:fillRef idx="0">
-              <a:schemeClr val="accent1"/>
-            </a:fillRef>
-            <a:effectRef idx="0">
-              <a:schemeClr val="accent1"/>
-            </a:effectRef>
-            <a:fontRef idx="minor">
-              <a:schemeClr val="tx1"/>
-            </a:fontRef>
-          </p:style>
-        </p:cxnSp>
-        <p:cxnSp>
-          <p:nvCxnSpPr>
-            <p:cNvPr id="17" name="Straight Connector 16">
-              <a:extLst>
-                <a:ext uri="{FF2B5EF4-FFF2-40B4-BE49-F238E27FC236}">
-                  <a16:creationId xmlns:a16="http://schemas.microsoft.com/office/drawing/2014/main" id="{BA3EE7B4-F9DB-A731-EA57-7C0B32FF07A3}"/>
-                </a:ext>
-              </a:extLst>
-            </p:cNvPr>
-            <p:cNvCxnSpPr>
-              <a:cxnSpLocks/>
-            </p:cNvCxnSpPr>
-            <p:nvPr/>
-          </p:nvCxnSpPr>
-          <p:spPr>
-            <a:xfrm rot="5400000" flipH="1">
-              <a:off x="5933439" y="4856479"/>
-              <a:ext cx="508000" cy="562187"/>
-            </a:xfrm>
-            <a:prstGeom prst="line">
-              <a:avLst/>
-            </a:prstGeom>
-          </p:spPr>
-          <p:style>
-            <a:lnRef idx="1">
-              <a:schemeClr val="accent1"/>
-            </a:lnRef>
-            <a:fillRef idx="0">
-              <a:schemeClr val="accent1"/>
-            </a:fillRef>
-            <a:effectRef idx="0">
-              <a:schemeClr val="accent1"/>
-            </a:effectRef>
-            <a:fontRef idx="minor">
-              <a:schemeClr val="tx1"/>
-            </a:fontRef>
-          </p:style>
-        </p:cxnSp>
-        <p:cxnSp>
-          <p:nvCxnSpPr>
-            <p:cNvPr id="19" name="Straight Connector 18">
-              <a:extLst>
-                <a:ext uri="{FF2B5EF4-FFF2-40B4-BE49-F238E27FC236}">
-                  <a16:creationId xmlns:a16="http://schemas.microsoft.com/office/drawing/2014/main" id="{552A9A85-015F-2173-87A8-D26D47113CC2}"/>
-                </a:ext>
-              </a:extLst>
-            </p:cNvPr>
-            <p:cNvCxnSpPr>
-              <a:cxnSpLocks/>
-            </p:cNvCxnSpPr>
-            <p:nvPr/>
-          </p:nvCxnSpPr>
-          <p:spPr>
-            <a:xfrm flipH="1" flipV="1">
-              <a:off x="3860800" y="2744046"/>
-              <a:ext cx="2045545" cy="1116754"/>
-            </a:xfrm>
-            <a:prstGeom prst="line">
-              <a:avLst/>
-            </a:prstGeom>
-          </p:spPr>
-          <p:style>
-            <a:lnRef idx="1">
-              <a:schemeClr val="accent1"/>
-            </a:lnRef>
-            <a:fillRef idx="0">
-              <a:schemeClr val="accent1"/>
-            </a:fillRef>
-            <a:effectRef idx="0">
-              <a:schemeClr val="accent1"/>
-            </a:effectRef>
-            <a:fontRef idx="minor">
-              <a:schemeClr val="tx1"/>
-            </a:fontRef>
-          </p:style>
-        </p:cxnSp>
-        <p:cxnSp>
-          <p:nvCxnSpPr>
-            <p:cNvPr id="22" name="Straight Connector 21">
-              <a:extLst>
-                <a:ext uri="{FF2B5EF4-FFF2-40B4-BE49-F238E27FC236}">
-                  <a16:creationId xmlns:a16="http://schemas.microsoft.com/office/drawing/2014/main" id="{281E3432-4202-7877-EDD8-B6862D055DB6}"/>
-                </a:ext>
-              </a:extLst>
-            </p:cNvPr>
-            <p:cNvCxnSpPr/>
-            <p:nvPr/>
-          </p:nvCxnSpPr>
-          <p:spPr>
-            <a:xfrm flipV="1">
-              <a:off x="5913120" y="3597909"/>
-              <a:ext cx="677333" cy="296758"/>
-            </a:xfrm>
-            <a:prstGeom prst="line">
-              <a:avLst/>
-            </a:prstGeom>
-          </p:spPr>
-          <p:style>
-            <a:lnRef idx="1">
-              <a:schemeClr val="accent1"/>
-            </a:lnRef>
-            <a:fillRef idx="0">
-              <a:schemeClr val="accent1"/>
-            </a:fillRef>
-            <a:effectRef idx="0">
-              <a:schemeClr val="accent1"/>
-            </a:effectRef>
-            <a:fontRef idx="minor">
-              <a:schemeClr val="tx1"/>
-            </a:fontRef>
-          </p:style>
-        </p:cxnSp>
-        <p:pic>
-          <p:nvPicPr>
-            <p:cNvPr id="1028" name="Picture 4" descr="Baseball Glove Clipart Images – Browse 1,837 Stock Photos, Vectors, and  Video | Adobe Stock">
-              <a:extLst>
-                <a:ext uri="{FF2B5EF4-FFF2-40B4-BE49-F238E27FC236}">
-                  <a16:creationId xmlns:a16="http://schemas.microsoft.com/office/drawing/2014/main" id="{C1E730D5-73EE-45CB-B4C7-CBBA1D53CCB2}"/>
+                  <a16:creationId xmlns:a16="http://schemas.microsoft.com/office/drawing/2014/main" id="{3B01EAA9-189D-0C2C-72F5-F1949BE85079}"/>
                 </a:ext>
               </a:extLst>
             </p:cNvPr>
@@ -3821,14 +3955,18 @@
             </p:cNvPicPr>
             <p:nvPr/>
           </p:nvPicPr>
-          <p:blipFill>
-            <a:blip r:embed="rId4">
+          <p:blipFill rotWithShape="1">
+            <a:blip r:embed="rId6">
               <a:extLst>
                 <a:ext uri="{BEBA8EAE-BF5A-486C-A8C5-ECC9F3942E4B}">
                   <a14:imgProps xmlns:a14="http://schemas.microsoft.com/office/drawing/2010/main">
-                    <a14:imgLayer r:embed="rId5">
+                    <a14:imgLayer r:embed="rId7">
                       <a14:imgEffect>
-                        <a14:backgroundRemoval t="10000" b="90000" l="10000" r="90000"/>
+                        <a14:backgroundRemoval t="10000" b="90000" l="1385" r="95077">
+                          <a14:foregroundMark x1="6462" y1="67733" x2="6462" y2="67733"/>
+                          <a14:foregroundMark x1="1538" y1="68000" x2="1538" y2="68000"/>
+                          <a14:foregroundMark x1="95077" y1="61733" x2="92308" y2="37467"/>
+                        </a14:backgroundRemoval>
                       </a14:imgEffect>
                     </a14:imgLayer>
                   </a14:imgProps>
@@ -3838,15 +3976,13 @@
                 </a:ext>
               </a:extLst>
             </a:blip>
-            <a:srcRect/>
-            <a:stretch>
-              <a:fillRect/>
-            </a:stretch>
+            <a:srcRect t="20050" b="19670"/>
+            <a:stretch/>
           </p:blipFill>
           <p:spPr bwMode="auto">
             <a:xfrm>
-              <a:off x="6285657" y="2910841"/>
-              <a:ext cx="1231899" cy="1231899"/>
+              <a:off x="5017757" y="3910176"/>
+              <a:ext cx="750972" cy="522331"/>
             </a:xfrm>
             <a:prstGeom prst="rect">
               <a:avLst/>
@@ -3866,58 +4002,117 @@
       </p:grpSp>
       <p:sp>
         <p:nvSpPr>
-          <p:cNvPr id="24" name="Title 1">
-            <a:extLst>
-              <a:ext uri="{FF2B5EF4-FFF2-40B4-BE49-F238E27FC236}">
-                <a16:creationId xmlns:a16="http://schemas.microsoft.com/office/drawing/2014/main" id="{4EB98064-32D0-C6A4-A772-F1CEFC1EEB67}"/>
-              </a:ext>
-            </a:extLst>
-          </p:cNvPr>
-          <p:cNvSpPr txBox="1">
-            <a:spLocks/>
-          </p:cNvSpPr>
+          <p:cNvPr id="27" name="TextBox 26">
+            <a:extLst>
+              <a:ext uri="{FF2B5EF4-FFF2-40B4-BE49-F238E27FC236}">
+                <a16:creationId xmlns:a16="http://schemas.microsoft.com/office/drawing/2014/main" id="{7D79F0F8-B909-AF30-354F-E79E73B8A8D1}"/>
+              </a:ext>
+            </a:extLst>
+          </p:cNvPr>
+          <p:cNvSpPr txBox="1"/>
           <p:nvPr/>
         </p:nvSpPr>
         <p:spPr>
           <a:xfrm>
-            <a:off x="838200" y="905192"/>
-            <a:ext cx="10515600" cy="1325563"/>
+            <a:off x="494453" y="5032587"/>
+            <a:ext cx="2838150" cy="1077218"/>
           </a:xfrm>
           <a:prstGeom prst="rect">
             <a:avLst/>
           </a:prstGeom>
+          <a:noFill/>
         </p:spPr>
         <p:txBody>
-          <a:bodyPr vert="horz" lIns="91440" tIns="45720" rIns="91440" bIns="45720" rtlCol="0" anchor="ctr">
-            <a:normAutofit/>
+          <a:bodyPr wrap="square" rtlCol="0">
+            <a:spAutoFit/>
           </a:bodyPr>
-          <a:lstStyle>
-            <a:lvl1pPr algn="l" defTabSz="914400" rtl="0" eaLnBrk="1" latinLnBrk="0" hangingPunct="1">
-              <a:lnSpc>
-                <a:spcPct val="90000"/>
-              </a:lnSpc>
-              <a:spcBef>
-                <a:spcPct val="0"/>
-              </a:spcBef>
-              <a:buNone/>
-              <a:defRPr sz="4400" kern="1200">
+          <a:lstStyle/>
+          <a:p>
+            <a:pPr algn="ctr"/>
+            <a:r>
+              <a:rPr lang="en-US" sz="3200" dirty="0"/>
+              <a:t>Throwing it ↑ direction </a:t>
+            </a:r>
+          </a:p>
+        </p:txBody>
+      </p:sp>
+      <p:pic>
+        <p:nvPicPr>
+          <p:cNvPr id="1036" name="Picture 12" descr="Ken Griffey Jr. Seattle Mariners White Youth Cool Base Home Jersey">
+            <a:extLst>
+              <a:ext uri="{FF2B5EF4-FFF2-40B4-BE49-F238E27FC236}">
+                <a16:creationId xmlns:a16="http://schemas.microsoft.com/office/drawing/2014/main" id="{7B9F325D-4FF5-4CDD-8A11-5C55EEFFA7FD}"/>
+              </a:ext>
+            </a:extLst>
+          </p:cNvPr>
+          <p:cNvPicPr>
+            <a:picLocks noChangeAspect="1" noChangeArrowheads="1"/>
+          </p:cNvPicPr>
+          <p:nvPr/>
+        </p:nvPicPr>
+        <p:blipFill>
+          <a:blip r:embed="rId8">
+            <a:extLst>
+              <a:ext uri="{BEBA8EAE-BF5A-486C-A8C5-ECC9F3942E4B}">
+                <a14:imgProps xmlns:a14="http://schemas.microsoft.com/office/drawing/2010/main">
+                  <a14:imgLayer r:embed="rId9">
+                    <a14:imgEffect>
+                      <a14:backgroundRemoval t="2346" b="99012" l="1473" r="94551">
+                        <a14:foregroundMark x1="3535" y1="38519" x2="41679" y2="6296"/>
+                        <a14:foregroundMark x1="41679" y1="6296" x2="50074" y2="2840"/>
+                        <a14:foregroundMark x1="50074" y1="2840" x2="75110" y2="11975"/>
+                        <a14:foregroundMark x1="75110" y1="11975" x2="94845" y2="34568"/>
+                        <a14:foregroundMark x1="55670" y1="4691" x2="55670" y2="4691"/>
+                        <a14:foregroundMark x1="53608" y1="6049" x2="53608" y2="6049"/>
+                        <a14:foregroundMark x1="56554" y1="2963" x2="56554" y2="2963"/>
+                        <a14:foregroundMark x1="43741" y1="2716" x2="43741" y2="2716"/>
+                        <a14:foregroundMark x1="40059" y1="2716" x2="54492" y2="2716"/>
+                        <a14:foregroundMark x1="54492" y1="2716" x2="58763" y2="2469"/>
+                        <a14:foregroundMark x1="61267" y1="2716" x2="61267" y2="2716"/>
+                        <a14:foregroundMark x1="63623" y1="3210" x2="63623" y2="3210"/>
+                        <a14:foregroundMark x1="63770" y1="3210" x2="63770" y2="3210"/>
+                        <a14:foregroundMark x1="36230" y1="3210" x2="36230" y2="3210"/>
+                        <a14:foregroundMark x1="34904" y1="3333" x2="34904" y2="3333"/>
+                        <a14:foregroundMark x1="1473" y1="36667" x2="1473" y2="36667"/>
+                        <a14:foregroundMark x1="33579" y1="94074" x2="49043" y2="95679"/>
+                        <a14:foregroundMark x1="49043" y1="95679" x2="63034" y2="93827"/>
+                        <a14:foregroundMark x1="63034" y1="93827" x2="64507" y2="93210"/>
+                        <a14:foregroundMark x1="55523" y1="99012" x2="55523" y2="99012"/>
+                      </a14:backgroundRemoval>
+                    </a14:imgEffect>
+                  </a14:imgLayer>
+                </a14:imgProps>
+              </a:ext>
+              <a:ext uri="{28A0092B-C50C-407E-A947-70E740481C1C}">
+                <a14:useLocalDpi xmlns:a14="http://schemas.microsoft.com/office/drawing/2010/main" val="0"/>
+              </a:ext>
+            </a:extLst>
+          </a:blip>
+          <a:srcRect/>
+          <a:stretch>
+            <a:fillRect/>
+          </a:stretch>
+        </p:blipFill>
+        <p:spPr bwMode="auto">
+          <a:xfrm>
+            <a:off x="4293458" y="4183718"/>
+            <a:ext cx="1096794" cy="1308520"/>
+          </a:xfrm>
+          <a:prstGeom prst="rect">
+            <a:avLst/>
+          </a:prstGeom>
+          <a:noFill/>
+          <a:extLst>
+            <a:ext uri="{909E8E84-426E-40DD-AFC4-6F175D3DCCD1}">
+              <a14:hiddenFill xmlns:a14="http://schemas.microsoft.com/office/drawing/2010/main">
                 <a:solidFill>
-                  <a:schemeClr val="tx1"/>
+                  <a:srgbClr val="FFFFFF"/>
                 </a:solidFill>
-                <a:latin typeface="+mj-lt"/>
-                <a:ea typeface="+mj-ea"/>
-                <a:cs typeface="+mj-cs"/>
-              </a:defRPr>
-            </a:lvl1pPr>
-          </a:lstStyle>
-          <a:p>
-            <a:r>
-              <a:rPr lang="en-US" b="1" dirty="0"/>
-              <a:t>Arm Slots</a:t>
-            </a:r>
-          </a:p>
-        </p:txBody>
-      </p:sp>
+              </a14:hiddenFill>
+            </a:ext>
+          </a:extLst>
+        </p:spPr>
+      </p:pic>
     </p:spTree>
     <p:extLst>
       <p:ext uri="{BB962C8B-B14F-4D97-AF65-F5344CB8AC3E}">

--- a/Mariners Projects Slides.pptx
+++ b/Mariners Projects Slides.pptx
@@ -4325,10 +4325,10 @@
       </p:pic>
       <p:pic>
         <p:nvPicPr>
-          <p:cNvPr id="6" name="Picture 5">
-            <a:extLst>
-              <a:ext uri="{FF2B5EF4-FFF2-40B4-BE49-F238E27FC236}">
-                <a16:creationId xmlns:a16="http://schemas.microsoft.com/office/drawing/2014/main" id="{7DA12277-9045-4456-557F-D7EAABA1C10C}"/>
+          <p:cNvPr id="4" name="Picture 3">
+            <a:extLst>
+              <a:ext uri="{FF2B5EF4-FFF2-40B4-BE49-F238E27FC236}">
+                <a16:creationId xmlns:a16="http://schemas.microsoft.com/office/drawing/2014/main" id="{31ECE54D-7535-F1B3-5E98-C1C3AAC7DF2B}"/>
               </a:ext>
             </a:extLst>
           </p:cNvPr>
@@ -4345,8 +4345,8 @@
         </p:blipFill>
         <p:spPr>
           <a:xfrm>
-            <a:off x="431311" y="1933416"/>
-            <a:ext cx="11329378" cy="2991168"/>
+            <a:off x="0" y="1828218"/>
+            <a:ext cx="12192000" cy="3201563"/>
           </a:xfrm>
           <a:prstGeom prst="rect">
             <a:avLst/>
@@ -4460,10 +4460,10 @@
       </p:pic>
       <p:pic>
         <p:nvPicPr>
-          <p:cNvPr id="4" name="Picture 3">
-            <a:extLst>
-              <a:ext uri="{FF2B5EF4-FFF2-40B4-BE49-F238E27FC236}">
-                <a16:creationId xmlns:a16="http://schemas.microsoft.com/office/drawing/2014/main" id="{AD27B3D3-B008-5212-A5E1-8D168188BC7D}"/>
+          <p:cNvPr id="8" name="Picture 7">
+            <a:extLst>
+              <a:ext uri="{FF2B5EF4-FFF2-40B4-BE49-F238E27FC236}">
+                <a16:creationId xmlns:a16="http://schemas.microsoft.com/office/drawing/2014/main" id="{17F8A5A1-0865-F96A-8B85-0B0966028265}"/>
               </a:ext>
             </a:extLst>
           </p:cNvPr>
@@ -4480,8 +4480,8 @@
         </p:blipFill>
         <p:spPr>
           <a:xfrm>
-            <a:off x="652507" y="1933956"/>
-            <a:ext cx="10886985" cy="2990088"/>
+            <a:off x="0" y="1871650"/>
+            <a:ext cx="12192000" cy="3114699"/>
           </a:xfrm>
           <a:prstGeom prst="rect">
             <a:avLst/>
@@ -4845,10 +4845,10 @@
       </p:pic>
       <p:pic>
         <p:nvPicPr>
-          <p:cNvPr id="8" name="Picture 7">
-            <a:extLst>
-              <a:ext uri="{FF2B5EF4-FFF2-40B4-BE49-F238E27FC236}">
-                <a16:creationId xmlns:a16="http://schemas.microsoft.com/office/drawing/2014/main" id="{92013B40-DB39-2553-AE7A-E2D682F2B0EB}"/>
+          <p:cNvPr id="4" name="Picture 3">
+            <a:extLst>
+              <a:ext uri="{FF2B5EF4-FFF2-40B4-BE49-F238E27FC236}">
+                <a16:creationId xmlns:a16="http://schemas.microsoft.com/office/drawing/2014/main" id="{D77336BF-F053-7282-DCE8-A760E58E21B0}"/>
               </a:ext>
             </a:extLst>
           </p:cNvPr>
@@ -4865,8 +4865,8 @@
         </p:blipFill>
         <p:spPr>
           <a:xfrm>
-            <a:off x="595609" y="1933956"/>
-            <a:ext cx="11000782" cy="2990088"/>
+            <a:off x="0" y="1880269"/>
+            <a:ext cx="12192000" cy="3097461"/>
           </a:xfrm>
           <a:prstGeom prst="rect">
             <a:avLst/>
@@ -5158,10 +5158,10 @@
       </p:pic>
       <p:pic>
         <p:nvPicPr>
-          <p:cNvPr id="7" name="Picture 6">
-            <a:extLst>
-              <a:ext uri="{FF2B5EF4-FFF2-40B4-BE49-F238E27FC236}">
-                <a16:creationId xmlns:a16="http://schemas.microsoft.com/office/drawing/2014/main" id="{4A543357-3DD7-E594-697C-5BE9B9EACD71}"/>
+          <p:cNvPr id="4" name="Picture 3">
+            <a:extLst>
+              <a:ext uri="{FF2B5EF4-FFF2-40B4-BE49-F238E27FC236}">
+                <a16:creationId xmlns:a16="http://schemas.microsoft.com/office/drawing/2014/main" id="{AAFBAC25-9EE6-DFFA-5A34-AA93024B4CB4}"/>
               </a:ext>
             </a:extLst>
           </p:cNvPr>
@@ -5178,8 +5178,8 @@
         </p:blipFill>
         <p:spPr>
           <a:xfrm>
-            <a:off x="566916" y="1933956"/>
-            <a:ext cx="11058168" cy="2990088"/>
+            <a:off x="0" y="1867677"/>
+            <a:ext cx="12192000" cy="3122645"/>
           </a:xfrm>
           <a:prstGeom prst="rect">
             <a:avLst/>
